--- a/L00P00 - Layout_Achtergrond/meeting achtergrond - Firstdates Arjan.pptx
+++ b/L00P00 - Layout_Achtergrond/meeting achtergrond - Firstdates Arjan.pptx
@@ -226,7 +226,7 @@
           <a:p>
             <a:fld id="{500F2E12-4DE3-A64D-8DD6-6649B8F7F677}" type="datetimeFigureOut">
               <a:rPr lang="en-NL" smtClean="0"/>
-              <a:t>28/08/2022</a:t>
+              <a:t>28/08/2023</a:t>
             </a:fld>
             <a:endParaRPr lang="en-NL"/>
           </a:p>
@@ -727,7 +727,7 @@
           <a:p>
             <a:fld id="{6AD07915-8280-2B4E-9BCB-4FFF0F81E8A0}" type="datetimeFigureOut">
               <a:rPr lang="en-NL" smtClean="0"/>
-              <a:t>28/08/2022</a:t>
+              <a:t>28/08/2023</a:t>
             </a:fld>
             <a:endParaRPr lang="en-NL"/>
           </a:p>
@@ -927,7 +927,7 @@
           <a:p>
             <a:fld id="{6AD07915-8280-2B4E-9BCB-4FFF0F81E8A0}" type="datetimeFigureOut">
               <a:rPr lang="en-NL" smtClean="0"/>
-              <a:t>28/08/2022</a:t>
+              <a:t>28/08/2023</a:t>
             </a:fld>
             <a:endParaRPr lang="en-NL"/>
           </a:p>
@@ -1137,7 +1137,7 @@
           <a:p>
             <a:fld id="{6AD07915-8280-2B4E-9BCB-4FFF0F81E8A0}" type="datetimeFigureOut">
               <a:rPr lang="en-NL" smtClean="0"/>
-              <a:t>28/08/2022</a:t>
+              <a:t>28/08/2023</a:t>
             </a:fld>
             <a:endParaRPr lang="en-NL"/>
           </a:p>
@@ -1337,7 +1337,7 @@
           <a:p>
             <a:fld id="{6AD07915-8280-2B4E-9BCB-4FFF0F81E8A0}" type="datetimeFigureOut">
               <a:rPr lang="en-NL" smtClean="0"/>
-              <a:t>28/08/2022</a:t>
+              <a:t>28/08/2023</a:t>
             </a:fld>
             <a:endParaRPr lang="en-NL"/>
           </a:p>
@@ -1613,7 +1613,7 @@
           <a:p>
             <a:fld id="{6AD07915-8280-2B4E-9BCB-4FFF0F81E8A0}" type="datetimeFigureOut">
               <a:rPr lang="en-NL" smtClean="0"/>
-              <a:t>28/08/2022</a:t>
+              <a:t>28/08/2023</a:t>
             </a:fld>
             <a:endParaRPr lang="en-NL"/>
           </a:p>
@@ -1881,7 +1881,7 @@
           <a:p>
             <a:fld id="{6AD07915-8280-2B4E-9BCB-4FFF0F81E8A0}" type="datetimeFigureOut">
               <a:rPr lang="en-NL" smtClean="0"/>
-              <a:t>28/08/2022</a:t>
+              <a:t>28/08/2023</a:t>
             </a:fld>
             <a:endParaRPr lang="en-NL"/>
           </a:p>
@@ -2296,7 +2296,7 @@
           <a:p>
             <a:fld id="{6AD07915-8280-2B4E-9BCB-4FFF0F81E8A0}" type="datetimeFigureOut">
               <a:rPr lang="en-NL" smtClean="0"/>
-              <a:t>28/08/2022</a:t>
+              <a:t>28/08/2023</a:t>
             </a:fld>
             <a:endParaRPr lang="en-NL"/>
           </a:p>
@@ -2438,7 +2438,7 @@
           <a:p>
             <a:fld id="{6AD07915-8280-2B4E-9BCB-4FFF0F81E8A0}" type="datetimeFigureOut">
               <a:rPr lang="en-NL" smtClean="0"/>
-              <a:t>28/08/2022</a:t>
+              <a:t>28/08/2023</a:t>
             </a:fld>
             <a:endParaRPr lang="en-NL"/>
           </a:p>
@@ -2551,7 +2551,7 @@
           <a:p>
             <a:fld id="{6AD07915-8280-2B4E-9BCB-4FFF0F81E8A0}" type="datetimeFigureOut">
               <a:rPr lang="en-NL" smtClean="0"/>
-              <a:t>28/08/2022</a:t>
+              <a:t>28/08/2023</a:t>
             </a:fld>
             <a:endParaRPr lang="en-NL"/>
           </a:p>
@@ -2864,7 +2864,7 @@
           <a:p>
             <a:fld id="{6AD07915-8280-2B4E-9BCB-4FFF0F81E8A0}" type="datetimeFigureOut">
               <a:rPr lang="en-NL" smtClean="0"/>
-              <a:t>28/08/2022</a:t>
+              <a:t>28/08/2023</a:t>
             </a:fld>
             <a:endParaRPr lang="en-NL"/>
           </a:p>
@@ -3153,7 +3153,7 @@
           <a:p>
             <a:fld id="{6AD07915-8280-2B4E-9BCB-4FFF0F81E8A0}" type="datetimeFigureOut">
               <a:rPr lang="en-NL" smtClean="0"/>
-              <a:t>28/08/2022</a:t>
+              <a:t>28/08/2023</a:t>
             </a:fld>
             <a:endParaRPr lang="en-NL"/>
           </a:p>
@@ -3396,7 +3396,7 @@
           <a:p>
             <a:fld id="{6AD07915-8280-2B4E-9BCB-4FFF0F81E8A0}" type="datetimeFigureOut">
               <a:rPr lang="en-NL" smtClean="0"/>
-              <a:t>28/08/2022</a:t>
+              <a:t>28/08/2023</a:t>
             </a:fld>
             <a:endParaRPr lang="en-NL"/>
           </a:p>
@@ -4104,8 +4104,8 @@
         </p:nvSpPr>
         <p:spPr>
           <a:xfrm rot="21082837">
-            <a:off x="6103219" y="2392606"/>
-            <a:ext cx="2371547" cy="1261884"/>
+            <a:off x="6014252" y="2392606"/>
+            <a:ext cx="2549480" cy="1261884"/>
           </a:xfrm>
           <a:prstGeom prst="rect">
             <a:avLst/>
@@ -4137,7 +4137,7 @@
                 <a:latin typeface="Noteworthy" panose="02000400000000000000" pitchFamily="2" charset="77"/>
                 <a:ea typeface="Noteworthy" panose="02000400000000000000" pitchFamily="2" charset="77"/>
               </a:rPr>
-              <a:t>(51)</a:t>
+              <a:t>(52)</a:t>
             </a:r>
             <a:br>
               <a:rPr lang="en-NL" sz="1600" b="1" dirty="0">
